--- a/SUBSET SUM PROBLEM (B2).pptx
+++ b/SUBSET SUM PROBLEM (B2).pptx
@@ -842,7 +842,7 @@
           <a:p>
             <a:fld id="{66D444EC-FB24-473E-8EF7-CEF0CF0D3A4A}" type="datetimeFigureOut">
               <a:rPr lang="en-IN" smtClean="0"/>
-              <a:t>22-11-2019</a:t>
+              <a:t>03-12-2019</a:t>
             </a:fld>
             <a:endParaRPr lang="en-IN"/>
           </a:p>
@@ -1093,7 +1093,7 @@
           <a:p>
             <a:fld id="{66D444EC-FB24-473E-8EF7-CEF0CF0D3A4A}" type="datetimeFigureOut">
               <a:rPr lang="en-IN" smtClean="0"/>
-              <a:t>22-11-2019</a:t>
+              <a:t>03-12-2019</a:t>
             </a:fld>
             <a:endParaRPr lang="en-IN"/>
           </a:p>
@@ -1407,7 +1407,7 @@
           <a:p>
             <a:fld id="{66D444EC-FB24-473E-8EF7-CEF0CF0D3A4A}" type="datetimeFigureOut">
               <a:rPr lang="en-IN" smtClean="0"/>
-              <a:t>22-11-2019</a:t>
+              <a:t>03-12-2019</a:t>
             </a:fld>
             <a:endParaRPr lang="en-IN"/>
           </a:p>
@@ -1748,7 +1748,7 @@
           <a:p>
             <a:fld id="{66D444EC-FB24-473E-8EF7-CEF0CF0D3A4A}" type="datetimeFigureOut">
               <a:rPr lang="en-IN" smtClean="0"/>
-              <a:t>22-11-2019</a:t>
+              <a:t>03-12-2019</a:t>
             </a:fld>
             <a:endParaRPr lang="en-IN"/>
           </a:p>
@@ -2062,7 +2062,7 @@
           <a:p>
             <a:fld id="{66D444EC-FB24-473E-8EF7-CEF0CF0D3A4A}" type="datetimeFigureOut">
               <a:rPr lang="en-IN" smtClean="0"/>
-              <a:t>22-11-2019</a:t>
+              <a:t>03-12-2019</a:t>
             </a:fld>
             <a:endParaRPr lang="en-IN"/>
           </a:p>
@@ -2455,7 +2455,7 @@
           <a:p>
             <a:fld id="{66D444EC-FB24-473E-8EF7-CEF0CF0D3A4A}" type="datetimeFigureOut">
               <a:rPr lang="en-IN" smtClean="0"/>
-              <a:t>22-11-2019</a:t>
+              <a:t>03-12-2019</a:t>
             </a:fld>
             <a:endParaRPr lang="en-IN"/>
           </a:p>
@@ -2625,7 +2625,7 @@
           <a:p>
             <a:fld id="{66D444EC-FB24-473E-8EF7-CEF0CF0D3A4A}" type="datetimeFigureOut">
               <a:rPr lang="en-IN" smtClean="0"/>
-              <a:t>22-11-2019</a:t>
+              <a:t>03-12-2019</a:t>
             </a:fld>
             <a:endParaRPr lang="en-IN"/>
           </a:p>
@@ -2805,7 +2805,7 @@
           <a:p>
             <a:fld id="{66D444EC-FB24-473E-8EF7-CEF0CF0D3A4A}" type="datetimeFigureOut">
               <a:rPr lang="en-IN" smtClean="0"/>
-              <a:t>22-11-2019</a:t>
+              <a:t>03-12-2019</a:t>
             </a:fld>
             <a:endParaRPr lang="en-IN"/>
           </a:p>
@@ -2981,7 +2981,7 @@
           <a:p>
             <a:fld id="{66D444EC-FB24-473E-8EF7-CEF0CF0D3A4A}" type="datetimeFigureOut">
               <a:rPr lang="en-IN" smtClean="0"/>
-              <a:t>22-11-2019</a:t>
+              <a:t>03-12-2019</a:t>
             </a:fld>
             <a:endParaRPr lang="en-IN"/>
           </a:p>
@@ -3228,7 +3228,7 @@
           <a:p>
             <a:fld id="{66D444EC-FB24-473E-8EF7-CEF0CF0D3A4A}" type="datetimeFigureOut">
               <a:rPr lang="en-IN" smtClean="0"/>
-              <a:t>22-11-2019</a:t>
+              <a:t>03-12-2019</a:t>
             </a:fld>
             <a:endParaRPr lang="en-IN"/>
           </a:p>
@@ -3460,7 +3460,7 @@
           <a:p>
             <a:fld id="{66D444EC-FB24-473E-8EF7-CEF0CF0D3A4A}" type="datetimeFigureOut">
               <a:rPr lang="en-IN" smtClean="0"/>
-              <a:t>22-11-2019</a:t>
+              <a:t>03-12-2019</a:t>
             </a:fld>
             <a:endParaRPr lang="en-IN"/>
           </a:p>
@@ -3834,7 +3834,7 @@
           <a:p>
             <a:fld id="{66D444EC-FB24-473E-8EF7-CEF0CF0D3A4A}" type="datetimeFigureOut">
               <a:rPr lang="en-IN" smtClean="0"/>
-              <a:t>22-11-2019</a:t>
+              <a:t>03-12-2019</a:t>
             </a:fld>
             <a:endParaRPr lang="en-IN"/>
           </a:p>
@@ -3957,7 +3957,7 @@
           <a:p>
             <a:fld id="{66D444EC-FB24-473E-8EF7-CEF0CF0D3A4A}" type="datetimeFigureOut">
               <a:rPr lang="en-IN" smtClean="0"/>
-              <a:t>22-11-2019</a:t>
+              <a:t>03-12-2019</a:t>
             </a:fld>
             <a:endParaRPr lang="en-IN"/>
           </a:p>
@@ -4052,7 +4052,7 @@
           <a:p>
             <a:fld id="{66D444EC-FB24-473E-8EF7-CEF0CF0D3A4A}" type="datetimeFigureOut">
               <a:rPr lang="en-IN" smtClean="0"/>
-              <a:t>22-11-2019</a:t>
+              <a:t>03-12-2019</a:t>
             </a:fld>
             <a:endParaRPr lang="en-IN"/>
           </a:p>
@@ -4307,7 +4307,7 @@
           <a:p>
             <a:fld id="{66D444EC-FB24-473E-8EF7-CEF0CF0D3A4A}" type="datetimeFigureOut">
               <a:rPr lang="en-IN" smtClean="0"/>
-              <a:t>22-11-2019</a:t>
+              <a:t>03-12-2019</a:t>
             </a:fld>
             <a:endParaRPr lang="en-IN"/>
           </a:p>
@@ -4570,7 +4570,7 @@
           <a:p>
             <a:fld id="{66D444EC-FB24-473E-8EF7-CEF0CF0D3A4A}" type="datetimeFigureOut">
               <a:rPr lang="en-IN" smtClean="0"/>
-              <a:t>22-11-2019</a:t>
+              <a:t>03-12-2019</a:t>
             </a:fld>
             <a:endParaRPr lang="en-IN"/>
           </a:p>
@@ -5313,7 +5313,7 @@
           <a:p>
             <a:fld id="{66D444EC-FB24-473E-8EF7-CEF0CF0D3A4A}" type="datetimeFigureOut">
               <a:rPr lang="en-IN" smtClean="0"/>
-              <a:t>22-11-2019</a:t>
+              <a:t>03-12-2019</a:t>
             </a:fld>
             <a:endParaRPr lang="en-IN"/>
           </a:p>
@@ -9335,10 +9335,9 @@
           </a:lstStyle>
           <a:p>
             <a:r>
-              <a:rPr lang="en-IN"/>
-              <a:t>QAOA</a:t>
-            </a:r>
-            <a:endParaRPr lang="en-IN" dirty="0"/>
+              <a:rPr lang="en-IN" dirty="0"/>
+              <a:t>VQE</a:t>
+            </a:r>
           </a:p>
         </p:txBody>
       </p:sp>
@@ -10315,7 +10314,15 @@
           <a:p>
             <a:r>
               <a:rPr lang="en-IN" dirty="0"/>
-              <a:t>b) When n (no. of elements in the set increases) increases the solution sample also degrades exponentially in both </a:t>
+              <a:t>b) When n (no. of elements in </a:t>
+            </a:r>
+            <a:r>
+              <a:rPr lang="en-IN"/>
+              <a:t>the set) </a:t>
+            </a:r>
+            <a:r>
+              <a:rPr lang="en-IN" dirty="0"/>
+              <a:t>increases the solution sample also degrades exponentially in both </a:t>
             </a:r>
             <a:r>
               <a:rPr lang="en-IN" dirty="0" err="1"/>
@@ -10793,21 +10800,6 @@
 </file>
 
 <file path=customXml/item1.xml><?xml version="1.0" encoding="utf-8"?>
-<p:properties xmlns:p="http://schemas.microsoft.com/office/2006/metadata/properties" xmlns:xsi="http://www.w3.org/2001/XMLSchema-instance" xmlns:pc="http://schemas.microsoft.com/office/infopath/2007/PartnerControls">
-  <documentManagement/>
-</p:properties>
-</file>
-
-<file path=customXml/item2.xml><?xml version="1.0" encoding="utf-8"?>
-<?mso-contentType ?>
-<FormTemplates xmlns="http://schemas.microsoft.com/sharepoint/v3/contenttype/forms">
-  <Display>DocumentLibraryForm</Display>
-  <Edit>DocumentLibraryForm</Edit>
-  <New>DocumentLibraryForm</New>
-</FormTemplates>
-</file>
-
-<file path=customXml/item3.xml><?xml version="1.0" encoding="utf-8"?>
 <ct:contentTypeSchema xmlns:ct="http://schemas.microsoft.com/office/2006/metadata/contentType" xmlns:ma="http://schemas.microsoft.com/office/2006/metadata/properties/metaAttributes" ct:_="" ma:_="" ma:contentTypeName="Document" ma:contentTypeID="0x010100760090742022E449B5DC6F290CF8ADFF" ma:contentTypeVersion="2" ma:contentTypeDescription="Create a new document." ma:contentTypeScope="" ma:versionID="0fb3fc05e6d8186e1596e44f0036f064">
   <xsd:schema xmlns:xsd="http://www.w3.org/2001/XMLSchema" xmlns:xs="http://www.w3.org/2001/XMLSchema" xmlns:p="http://schemas.microsoft.com/office/2006/metadata/properties" xmlns:ns3="a0c8dcff-9cf0-4551-9f3b-66b214a4f350" targetNamespace="http://schemas.microsoft.com/office/2006/metadata/properties" ma:root="true" ma:fieldsID="2ab66fa388b5af35091d4aeb67dbad3d" ns3:_="">
     <xsd:import namespace="a0c8dcff-9cf0-4551-9f3b-66b214a4f350"/>
@@ -10939,31 +10931,22 @@
 </ct:contentTypeSchema>
 </file>
 
-<file path=customXml/itemProps1.xml><?xml version="1.0" encoding="utf-8"?>
-<ds:datastoreItem xmlns:ds="http://schemas.openxmlformats.org/officeDocument/2006/customXml" ds:itemID="{8DBFCC4D-529D-492E-AA08-32F00594C565}">
-  <ds:schemaRefs>
-    <ds:schemaRef ds:uri="http://schemas.microsoft.com/office/2006/documentManagement/types"/>
-    <ds:schemaRef ds:uri="http://schemas.microsoft.com/office/infopath/2007/PartnerControls"/>
-    <ds:schemaRef ds:uri="a0c8dcff-9cf0-4551-9f3b-66b214a4f350"/>
-    <ds:schemaRef ds:uri="http://purl.org/dc/elements/1.1/"/>
-    <ds:schemaRef ds:uri="http://schemas.microsoft.com/office/2006/metadata/properties"/>
-    <ds:schemaRef ds:uri="http://purl.org/dc/terms/"/>
-    <ds:schemaRef ds:uri="http://schemas.openxmlformats.org/package/2006/metadata/core-properties"/>
-    <ds:schemaRef ds:uri="http://www.w3.org/XML/1998/namespace"/>
-    <ds:schemaRef ds:uri="http://purl.org/dc/dcmitype/"/>
-  </ds:schemaRefs>
-</ds:datastoreItem>
+<file path=customXml/item2.xml><?xml version="1.0" encoding="utf-8"?>
+<?mso-contentType ?>
+<FormTemplates xmlns="http://schemas.microsoft.com/sharepoint/v3/contenttype/forms">
+  <Display>DocumentLibraryForm</Display>
+  <Edit>DocumentLibraryForm</Edit>
+  <New>DocumentLibraryForm</New>
+</FormTemplates>
 </file>
 
-<file path=customXml/itemProps2.xml><?xml version="1.0" encoding="utf-8"?>
-<ds:datastoreItem xmlns:ds="http://schemas.openxmlformats.org/officeDocument/2006/customXml" ds:itemID="{1C63A016-A833-4F1C-86EB-70960EEEA41D}">
-  <ds:schemaRefs>
-    <ds:schemaRef ds:uri="http://schemas.microsoft.com/sharepoint/v3/contenttype/forms"/>
-  </ds:schemaRefs>
-</ds:datastoreItem>
+<file path=customXml/item3.xml><?xml version="1.0" encoding="utf-8"?>
+<p:properties xmlns:p="http://schemas.microsoft.com/office/2006/metadata/properties" xmlns:xsi="http://www.w3.org/2001/XMLSchema-instance" xmlns:pc="http://schemas.microsoft.com/office/infopath/2007/PartnerControls">
+  <documentManagement/>
+</p:properties>
 </file>
 
-<file path=customXml/itemProps3.xml><?xml version="1.0" encoding="utf-8"?>
+<file path=customXml/itemProps1.xml><?xml version="1.0" encoding="utf-8"?>
 <ds:datastoreItem xmlns:ds="http://schemas.openxmlformats.org/officeDocument/2006/customXml" ds:itemID="{A4679E9A-876E-44EE-AF22-6DC4575E2A93}">
   <ds:schemaRefs>
     <ds:schemaRef ds:uri="http://schemas.microsoft.com/office/2006/metadata/contentType"/>
@@ -10979,4 +10962,28 @@
     <ds:schemaRef ds:uri="http://schemas.microsoft.com/internal/obd"/>
   </ds:schemaRefs>
 </ds:datastoreItem>
+</file>
+
+<file path=customXml/itemProps2.xml><?xml version="1.0" encoding="utf-8"?>
+<ds:datastoreItem xmlns:ds="http://schemas.openxmlformats.org/officeDocument/2006/customXml" ds:itemID="{1C63A016-A833-4F1C-86EB-70960EEEA41D}">
+  <ds:schemaRefs>
+    <ds:schemaRef ds:uri="http://schemas.microsoft.com/sharepoint/v3/contenttype/forms"/>
+  </ds:schemaRefs>
+</ds:datastoreItem>
+</file>
+
+<file path=customXml/itemProps3.xml><?xml version="1.0" encoding="utf-8"?>
+<ds:datastoreItem xmlns:ds="http://schemas.openxmlformats.org/officeDocument/2006/customXml" ds:itemID="{8DBFCC4D-529D-492E-AA08-32F00594C565}">
+  <ds:schemaRefs>
+    <ds:schemaRef ds:uri="http://schemas.microsoft.com/office/2006/documentManagement/types"/>
+    <ds:schemaRef ds:uri="http://schemas.microsoft.com/office/infopath/2007/PartnerControls"/>
+    <ds:schemaRef ds:uri="a0c8dcff-9cf0-4551-9f3b-66b214a4f350"/>
+    <ds:schemaRef ds:uri="http://purl.org/dc/elements/1.1/"/>
+    <ds:schemaRef ds:uri="http://schemas.microsoft.com/office/2006/metadata/properties"/>
+    <ds:schemaRef ds:uri="http://purl.org/dc/terms/"/>
+    <ds:schemaRef ds:uri="http://schemas.openxmlformats.org/package/2006/metadata/core-properties"/>
+    <ds:schemaRef ds:uri="http://www.w3.org/XML/1998/namespace"/>
+    <ds:schemaRef ds:uri="http://purl.org/dc/dcmitype/"/>
+  </ds:schemaRefs>
+</ds:datastoreItem>
 </file>